--- a/JavaScript/02_Funkcije/JavaScript_02_Funkcije.pptx
+++ b/JavaScript/02_Funkcije/JavaScript_02_Funkcije.pptx
@@ -322,7 +322,7 @@
             <a:fld id="{1D8BD707-D9CF-40AE-B4C6-C98DA3205C09}" type="datetimeFigureOut">
               <a:rPr lang="en-US" smtClean="0"/>
               <a:pPr/>
-              <a:t>3/9/2016</a:t>
+              <a:t>10/18/2016</a:t>
             </a:fld>
             <a:endParaRPr lang="en-US"/>
           </a:p>
@@ -489,7 +489,7 @@
             <a:fld id="{1D8BD707-D9CF-40AE-B4C6-C98DA3205C09}" type="datetimeFigureOut">
               <a:rPr lang="en-US" smtClean="0"/>
               <a:pPr/>
-              <a:t>3/9/2016</a:t>
+              <a:t>10/18/2016</a:t>
             </a:fld>
             <a:endParaRPr lang="en-US"/>
           </a:p>
@@ -666,7 +666,7 @@
             <a:fld id="{1D8BD707-D9CF-40AE-B4C6-C98DA3205C09}" type="datetimeFigureOut">
               <a:rPr lang="en-US" smtClean="0"/>
               <a:pPr/>
-              <a:t>3/9/2016</a:t>
+              <a:t>10/18/2016</a:t>
             </a:fld>
             <a:endParaRPr lang="en-US"/>
           </a:p>
@@ -833,7 +833,7 @@
             <a:fld id="{1D8BD707-D9CF-40AE-B4C6-C98DA3205C09}" type="datetimeFigureOut">
               <a:rPr lang="en-US" smtClean="0"/>
               <a:pPr/>
-              <a:t>3/9/2016</a:t>
+              <a:t>10/18/2016</a:t>
             </a:fld>
             <a:endParaRPr lang="en-US"/>
           </a:p>
@@ -1076,7 +1076,7 @@
             <a:fld id="{1D8BD707-D9CF-40AE-B4C6-C98DA3205C09}" type="datetimeFigureOut">
               <a:rPr lang="en-US" smtClean="0"/>
               <a:pPr/>
-              <a:t>3/9/2016</a:t>
+              <a:t>10/18/2016</a:t>
             </a:fld>
             <a:endParaRPr lang="en-US"/>
           </a:p>
@@ -1361,7 +1361,7 @@
             <a:fld id="{1D8BD707-D9CF-40AE-B4C6-C98DA3205C09}" type="datetimeFigureOut">
               <a:rPr lang="en-US" smtClean="0"/>
               <a:pPr/>
-              <a:t>3/9/2016</a:t>
+              <a:t>10/18/2016</a:t>
             </a:fld>
             <a:endParaRPr lang="en-US"/>
           </a:p>
@@ -1780,7 +1780,7 @@
             <a:fld id="{1D8BD707-D9CF-40AE-B4C6-C98DA3205C09}" type="datetimeFigureOut">
               <a:rPr lang="en-US" smtClean="0"/>
               <a:pPr/>
-              <a:t>3/9/2016</a:t>
+              <a:t>10/18/2016</a:t>
             </a:fld>
             <a:endParaRPr lang="en-US"/>
           </a:p>
@@ -1895,7 +1895,7 @@
             <a:fld id="{1D8BD707-D9CF-40AE-B4C6-C98DA3205C09}" type="datetimeFigureOut">
               <a:rPr lang="en-US" smtClean="0"/>
               <a:pPr/>
-              <a:t>3/9/2016</a:t>
+              <a:t>10/18/2016</a:t>
             </a:fld>
             <a:endParaRPr lang="en-US"/>
           </a:p>
@@ -1987,7 +1987,7 @@
             <a:fld id="{1D8BD707-D9CF-40AE-B4C6-C98DA3205C09}" type="datetimeFigureOut">
               <a:rPr lang="en-US" smtClean="0"/>
               <a:pPr/>
-              <a:t>3/9/2016</a:t>
+              <a:t>10/18/2016</a:t>
             </a:fld>
             <a:endParaRPr lang="en-US"/>
           </a:p>
@@ -2261,7 +2261,7 @@
             <a:fld id="{1D8BD707-D9CF-40AE-B4C6-C98DA3205C09}" type="datetimeFigureOut">
               <a:rPr lang="en-US" smtClean="0"/>
               <a:pPr/>
-              <a:t>3/9/2016</a:t>
+              <a:t>10/18/2016</a:t>
             </a:fld>
             <a:endParaRPr lang="en-US"/>
           </a:p>
@@ -2511,7 +2511,7 @@
             <a:fld id="{1D8BD707-D9CF-40AE-B4C6-C98DA3205C09}" type="datetimeFigureOut">
               <a:rPr lang="en-US" smtClean="0"/>
               <a:pPr/>
-              <a:t>3/9/2016</a:t>
+              <a:t>10/18/2016</a:t>
             </a:fld>
             <a:endParaRPr lang="en-US"/>
           </a:p>
@@ -2721,7 +2721,7 @@
             <a:fld id="{1D8BD707-D9CF-40AE-B4C6-C98DA3205C09}" type="datetimeFigureOut">
               <a:rPr lang="en-US" smtClean="0"/>
               <a:pPr/>
-              <a:t>3/9/2016</a:t>
+              <a:t>10/18/2016</a:t>
             </a:fld>
             <a:endParaRPr lang="en-US"/>
           </a:p>
@@ -3262,31 +3262,19 @@
               <a:rPr lang="sr-Latn-RS" dirty="0" smtClean="0">
                 <a:cs typeface="Courier New" panose="02070309020205020404" pitchFamily="49" charset="0"/>
               </a:rPr>
-              <a:t> novog objekta </a:t>
+              <a:t> novog objekta dob</a:t>
+            </a:r>
+            <a:r>
+              <a:rPr lang="en-GB" dirty="0" err="1" smtClean="0">
+                <a:cs typeface="Courier New" panose="02070309020205020404" pitchFamily="49" charset="0"/>
+              </a:rPr>
+              <a:t>i</a:t>
             </a:r>
             <a:r>
               <a:rPr lang="sr-Latn-RS" dirty="0" smtClean="0">
                 <a:cs typeface="Courier New" panose="02070309020205020404" pitchFamily="49" charset="0"/>
               </a:rPr>
-              <a:t>dob</a:t>
-            </a:r>
-            <a:r>
-              <a:rPr lang="en-GB" dirty="0" err="1" smtClean="0">
-                <a:cs typeface="Courier New" panose="02070309020205020404" pitchFamily="49" charset="0"/>
-              </a:rPr>
-              <a:t>i</a:t>
-            </a:r>
-            <a:r>
-              <a:rPr lang="sr-Latn-RS" dirty="0" smtClean="0">
-                <a:cs typeface="Courier New" panose="02070309020205020404" pitchFamily="49" charset="0"/>
-              </a:rPr>
-              <a:t>je </a:t>
-            </a:r>
-            <a:r>
-              <a:rPr lang="sr-Latn-RS" dirty="0" smtClean="0">
-                <a:cs typeface="Courier New" panose="02070309020205020404" pitchFamily="49" charset="0"/>
-              </a:rPr>
-              <a:t>vrednost </a:t>
+              <a:t>je vrednost </a:t>
             </a:r>
             <a:r>
               <a:rPr lang="sr-Latn-RS" dirty="0" smtClean="0">
@@ -3894,31 +3882,19 @@
               <a:rPr lang="sr-Latn-RS" dirty="0" smtClean="0">
                 <a:cs typeface="Courier New" panose="02070309020205020404" pitchFamily="49" charset="0"/>
               </a:rPr>
-              <a:t>Metoda </a:t>
+              <a:t>Metoda funkcij</a:t>
+            </a:r>
+            <a:r>
+              <a:rPr lang="en-GB" dirty="0" smtClean="0">
+                <a:cs typeface="Courier New" panose="02070309020205020404" pitchFamily="49" charset="0"/>
+              </a:rPr>
+              <a:t>e</a:t>
             </a:r>
             <a:r>
               <a:rPr lang="sr-Latn-RS" dirty="0" smtClean="0">
                 <a:cs typeface="Courier New" panose="02070309020205020404" pitchFamily="49" charset="0"/>
               </a:rPr>
-              <a:t>funkcij</a:t>
-            </a:r>
-            <a:r>
-              <a:rPr lang="en-GB" dirty="0" smtClean="0">
-                <a:cs typeface="Courier New" panose="02070309020205020404" pitchFamily="49" charset="0"/>
-              </a:rPr>
-              <a:t>e</a:t>
-            </a:r>
-            <a:r>
-              <a:rPr lang="sr-Latn-RS" dirty="0" smtClean="0">
-                <a:cs typeface="Courier New" panose="02070309020205020404" pitchFamily="49" charset="0"/>
-              </a:rPr>
-              <a:t> </a:t>
-            </a:r>
-            <a:r>
-              <a:rPr lang="sr-Latn-RS" dirty="0" smtClean="0">
-                <a:cs typeface="Courier New" panose="02070309020205020404" pitchFamily="49" charset="0"/>
-              </a:rPr>
-              <a:t>koja omogućuje da se funkcija pozove sa proizvoljnim nizom argumenata i sa proizvoljnim argumentom </a:t>
+              <a:t> koja omogućuje da se funkcija pozove sa proizvoljnim nizom argumenata i sa proizvoljnim argumentom </a:t>
             </a:r>
             <a:r>
               <a:rPr lang="sr-Latn-RS" dirty="0" smtClean="0">
@@ -4845,7 +4821,12 @@
             <p:ph idx="1"/>
           </p:nvPr>
         </p:nvSpPr>
-        <p:spPr/>
+        <p:spPr>
+          <a:xfrm>
+            <a:off x="381000" y="1600200"/>
+            <a:ext cx="8229600" cy="4525963"/>
+          </a:xfrm>
+        </p:spPr>
         <p:txBody>
           <a:bodyPr>
             <a:normAutofit fontScale="77500" lnSpcReduction="20000"/>
@@ -5286,7 +5267,15 @@
             </a:r>
             <a:r>
               <a:rPr lang="sr-Latn-RS" dirty="0" smtClean="0"/>
-              <a:t>postoji jedan </a:t>
+              <a:t>postoji </a:t>
+            </a:r>
+            <a:r>
+              <a:rPr lang="sr-Latn-RS" b="1" dirty="0" smtClean="0"/>
+              <a:t>jedan</a:t>
+            </a:r>
+            <a:r>
+              <a:rPr lang="sr-Latn-RS" dirty="0" smtClean="0"/>
+              <a:t> </a:t>
             </a:r>
             <a:r>
               <a:rPr lang="sr-Latn-RS" dirty="0">
@@ -7647,11 +7636,7 @@
           <a:p>
             <a:r>
               <a:rPr lang="sr-Latn-RS" dirty="0" smtClean="0"/>
-              <a:t>Ukoliko je varijabla </a:t>
-            </a:r>
-            <a:r>
-              <a:rPr lang="sr-Latn-RS" dirty="0" smtClean="0"/>
-              <a:t>deklarisana</a:t>
+              <a:t>Ukoliko je varijabla deklarisana</a:t>
             </a:r>
             <a:r>
               <a:rPr lang="en-GB" dirty="0" smtClean="0"/>
@@ -7682,15 +7667,7 @@
           <a:p>
             <a:r>
               <a:rPr lang="sr-Latn-RS" dirty="0" smtClean="0"/>
-              <a:t>Ukoliko nije defnisana ni u spoljašnjoj </a:t>
-            </a:r>
-            <a:r>
-              <a:rPr lang="sr-Latn-RS" dirty="0" smtClean="0"/>
-              <a:t>funkciji</a:t>
-            </a:r>
-            <a:r>
-              <a:rPr lang="sr-Latn-RS" dirty="0" smtClean="0"/>
-              <a:t>, tražimo je u spoljašnjoj funkciji za spoljašnju funkciju</a:t>
+              <a:t>Ukoliko nije defnisana ni u spoljašnjoj funkciji, tražimo je u spoljašnjoj funkciji za spoljašnju funkciju</a:t>
             </a:r>
           </a:p>
           <a:p>
